--- a/spring12/slidesS12/trees-spanning.pptx
+++ b/spring12/slidesS12/trees-spanning.pptx
@@ -3957,7 +3957,7 @@
           <a:p>
             <a:pPr algn="ctr" eaLnBrk="0" hangingPunct="0"/>
             <a:r>
-              <a:rPr lang="en-US" sz="13800" b="1" dirty="0" err="1" smtClean="0">
+              <a:rPr lang="en-US" sz="11500" b="1" dirty="0" smtClean="0">
                 <a:solidFill>
                   <a:schemeClr val="tx2"/>
                 </a:solidFill>
@@ -3966,8 +3966,11 @@
               </a:rPr>
               <a:t>Spanning</a:t>
             </a:r>
-            <a:r>
-              <a:rPr lang="en-US" sz="13800" b="1" dirty="0" err="1" smtClean="0">
+          </a:p>
+          <a:p>
+            <a:pPr algn="ctr" eaLnBrk="0" hangingPunct="0"/>
+            <a:r>
+              <a:rPr lang="en-US" sz="11500" b="1" dirty="0" smtClean="0">
                 <a:solidFill>
                   <a:schemeClr val="tx2"/>
                 </a:solidFill>
@@ -3976,7 +3979,7 @@
               </a:rPr>
               <a:t>Trees</a:t>
             </a:r>
-            <a:endParaRPr lang="en-US" sz="13800" b="1" dirty="0" smtClean="0">
+            <a:endParaRPr lang="en-US" sz="11500" b="1" dirty="0" smtClean="0">
               <a:solidFill>
                 <a:schemeClr val="tx2"/>
               </a:solidFill>
@@ -10996,7 +10999,7 @@
             <a:r>
               <a:rPr lang="en-US" altLang="zh-CN" sz="4400" dirty="0" smtClean="0">
                 <a:solidFill>
-                  <a:srgbClr val="660066"/>
+                  <a:srgbClr val="930093"/>
                 </a:solidFill>
                 <a:ea typeface="宋体" pitchFamily="2" charset="-122"/>
               </a:rPr>
@@ -11005,7 +11008,7 @@
             <a:r>
               <a:rPr lang="en-US" altLang="zh-CN" sz="4400" dirty="0" err="1" smtClean="0">
                 <a:solidFill>
-                  <a:srgbClr val="660066"/>
+                  <a:srgbClr val="930093"/>
                 </a:solidFill>
                 <a:ea typeface="宋体" pitchFamily="2" charset="-122"/>
               </a:rPr>
@@ -11108,7 +11111,16 @@
                 </a:solidFill>
                 <a:ea typeface="宋体" pitchFamily="2" charset="-122"/>
               </a:rPr>
-              <a:t>spanning tree</a:t>
+              <a:t>s</a:t>
+            </a:r>
+            <a:r>
+              <a:rPr lang="en-US" altLang="zh-CN" sz="4400" dirty="0" smtClean="0">
+                <a:solidFill>
+                  <a:srgbClr val="930093"/>
+                </a:solidFill>
+                <a:ea typeface="宋体" pitchFamily="2" charset="-122"/>
+              </a:rPr>
+              <a:t>panning tree</a:t>
             </a:r>
             <a:r>
               <a:rPr lang="en-US" altLang="zh-CN" sz="4400" dirty="0" smtClean="0">
@@ -11191,9 +11203,6 @@
                     <p:cTn id="3" fill="hold">
                       <p:stCondLst>
                         <p:cond delay="indefinite"/>
-                        <p:cond evt="onBegin" delay="0">
-                          <p:tn val="2"/>
-                        </p:cond>
                       </p:stCondLst>
                       <p:childTnLst>
                         <p:par>
@@ -11203,7 +11212,7 @@
                             </p:stCondLst>
                             <p:childTnLst>
                               <p:par>
-                                <p:cTn id="5" presetID="9" presetClass="entr" presetSubtype="0" fill="hold" nodeType="withEffect">
+                                <p:cTn id="5" presetID="9" presetClass="entr" presetSubtype="0" fill="hold" nodeType="clickEffect">
                                   <p:stCondLst>
                                     <p:cond delay="0"/>
                                   </p:stCondLst>
@@ -13749,8 +13758,8 @@
         </p:nvSpPr>
         <p:spPr>
           <a:xfrm>
-            <a:off x="546100" y="1295400"/>
-            <a:ext cx="8369300" cy="5029200"/>
+            <a:off x="546101" y="1641759"/>
+            <a:ext cx="8015092" cy="3597760"/>
           </a:xfrm>
         </p:spPr>
         <p:txBody>
@@ -13846,7 +13855,16 @@
               <a:rPr lang="en-US" altLang="zh-CN" sz="4400" dirty="0" smtClean="0">
                 <a:ea typeface="宋体" pitchFamily="2" charset="-122"/>
               </a:rPr>
-              <a:t>Pf: Namely, any minimum edge </a:t>
+              <a:t>Pf: Namely, any </a:t>
+            </a:r>
+            <a:r>
+              <a:rPr lang="en-US" altLang="zh-CN" sz="4400" dirty="0" smtClean="0">
+                <a:solidFill>
+                  <a:srgbClr val="930093"/>
+                </a:solidFill>
+                <a:ea typeface="宋体" pitchFamily="2" charset="-122"/>
+              </a:rPr>
+              <a:t>minimum edge </a:t>
             </a:r>
           </a:p>
           <a:p>
@@ -13858,16 +13876,10 @@
               <a:buNone/>
             </a:pPr>
             <a:r>
-              <a:rPr lang="en-US" altLang="zh-CN" sz="4400" smtClean="0">
-                <a:ea typeface="宋体" pitchFamily="2" charset="-122"/>
-              </a:rPr>
-              <a:t>connected spanning </a:t>
-            </a:r>
-            <a:r>
               <a:rPr lang="en-US" altLang="zh-CN" sz="4400" dirty="0" smtClean="0">
                 <a:ea typeface="宋体" pitchFamily="2" charset="-122"/>
               </a:rPr>
-              <a:t>graph.</a:t>
+              <a:t>connected spanning graph.</a:t>
             </a:r>
             <a:endParaRPr lang="en-US" altLang="zh-CN" sz="4000" dirty="0" smtClean="0">
               <a:solidFill>
@@ -13941,7 +13953,7 @@
                             </p:stCondLst>
                             <p:childTnLst>
                               <p:par>
-                                <p:cTn id="5" presetID="1" presetClass="entr" presetSubtype="0" fill="hold" nodeType="clickEffect">
+                                <p:cTn id="5" presetID="9" presetClass="entr" presetSubtype="0" fill="hold" nodeType="clickEffect">
                                   <p:stCondLst>
                                     <p:cond delay="0"/>
                                   </p:stCondLst>
@@ -13968,18 +13980,30 @@
                                         <p:strVal val="visible"/>
                                       </p:to>
                                     </p:set>
+                                    <p:animEffect transition="in" filter="dissolve">
+                                      <p:cBhvr>
+                                        <p:cTn id="7" dur="500"/>
+                                        <p:tgtEl>
+                                          <p:spTgt spid="788483">
+                                            <p:txEl>
+                                              <p:pRg st="2" end="2"/>
+                                            </p:txEl>
+                                          </p:spTgt>
+                                        </p:tgtEl>
+                                      </p:cBhvr>
+                                    </p:animEffect>
                                   </p:childTnLst>
                                 </p:cTn>
                               </p:par>
                               <p:par>
-                                <p:cTn id="7" presetID="1" presetClass="entr" presetSubtype="0" fill="hold" nodeType="withEffect">
+                                <p:cTn id="8" presetID="9" presetClass="entr" presetSubtype="0" fill="hold" nodeType="withEffect">
                                   <p:stCondLst>
                                     <p:cond delay="0"/>
                                   </p:stCondLst>
                                   <p:childTnLst>
                                     <p:set>
                                       <p:cBhvr>
-                                        <p:cTn id="8" dur="1" fill="hold">
+                                        <p:cTn id="9" dur="1" fill="hold">
                                           <p:stCondLst>
                                             <p:cond delay="0"/>
                                           </p:stCondLst>
@@ -13999,6 +14023,18 @@
                                         <p:strVal val="visible"/>
                                       </p:to>
                                     </p:set>
+                                    <p:animEffect transition="in" filter="dissolve">
+                                      <p:cBhvr>
+                                        <p:cTn id="10" dur="500"/>
+                                        <p:tgtEl>
+                                          <p:spTgt spid="788483">
+                                            <p:txEl>
+                                              <p:pRg st="3" end="3"/>
+                                            </p:txEl>
+                                          </p:spTgt>
+                                        </p:tgtEl>
+                                      </p:cBhvr>
+                                    </p:animEffect>
                                   </p:childTnLst>
                                 </p:cTn>
                               </p:par>
@@ -14324,7 +14360,22 @@
               <a:rPr lang="en-US" altLang="zh-CN" sz="4400" dirty="0" smtClean="0">
                 <a:ea typeface="宋体" pitchFamily="2" charset="-122"/>
               </a:rPr>
-              <a:t>Find min weight spanning tree?</a:t>
+              <a:t>Find </a:t>
+            </a:r>
+            <a:r>
+              <a:rPr lang="en-US" altLang="zh-CN" sz="4400" dirty="0" smtClean="0">
+                <a:solidFill>
+                  <a:srgbClr val="930093"/>
+                </a:solidFill>
+                <a:ea typeface="宋体" pitchFamily="2" charset="-122"/>
+              </a:rPr>
+              <a:t>min weight</a:t>
+            </a:r>
+            <a:r>
+              <a:rPr lang="en-US" altLang="zh-CN" sz="4400" dirty="0" smtClean="0">
+                <a:ea typeface="宋体" pitchFamily="2" charset="-122"/>
+              </a:rPr>
+              <a:t> spanning tree?</a:t>
             </a:r>
           </a:p>
         </p:txBody>
@@ -15305,14 +15356,14 @@
             <a:r>
               <a:rPr lang="en-US" dirty="0" smtClean="0">
                 <a:solidFill>
-                  <a:srgbClr val="660066"/>
+                  <a:srgbClr val="930093"/>
                 </a:solidFill>
               </a:rPr>
               <a:t>gray edges</a:t>
             </a:r>
             <a:endParaRPr lang="en-US" dirty="0">
               <a:solidFill>
-                <a:srgbClr val="660066"/>
+                <a:srgbClr val="930093"/>
               </a:solidFill>
             </a:endParaRPr>
           </a:p>
@@ -15364,7 +15415,15 @@
             </a:pPr>
             <a:r>
               <a:rPr lang="en-US" sz="4400" dirty="0" smtClean="0"/>
-              <a:t>gray edge::= </a:t>
+              <a:t>gray </a:t>
+            </a:r>
+            <a:r>
+              <a:rPr lang="en-US" sz="4400" dirty="0" smtClean="0"/>
+              <a:t>edge :</a:t>
+            </a:r>
+            <a:r>
+              <a:rPr lang="en-US" sz="4400" dirty="0" smtClean="0"/>
+              <a:t>:= </a:t>
             </a:r>
           </a:p>
           <a:p>
@@ -15555,6 +15614,18 @@
   <p:clrMapOvr>
     <a:masterClrMapping/>
   </p:clrMapOvr>
+  <mc:AlternateContent xmlns:mc="http://schemas.openxmlformats.org/markup-compatibility/2006">
+    <mc:Choice xmlns:p14="http://schemas.microsoft.com/office/powerpoint/2010/main" Requires="p14">
+      <p:transition spd="slow" p14:dur="1200">
+        <p:fade/>
+      </p:transition>
+    </mc:Choice>
+    <mc:Fallback>
+      <p:transition xmlns:p14="http://schemas.microsoft.com/office/powerpoint/2010/main" spd="slow">
+        <p:fade/>
+      </p:transition>
+    </mc:Fallback>
+  </mc:AlternateContent>
   <p:timing>
     <p:tnLst>
       <p:par>
@@ -16770,18 +16841,9 @@
   <p:clrMapOvr>
     <a:masterClrMapping/>
   </p:clrMapOvr>
-  <mc:AlternateContent xmlns:mc="http://schemas.openxmlformats.org/markup-compatibility/2006" xmlns:p14="http://schemas.microsoft.com/office/powerpoint/2010/main">
-    <mc:Choice Requires="p14">
-      <p:transition spd="med" p14:dur="700">
-        <p:fade/>
-      </p:transition>
-    </mc:Choice>
-    <mc:Fallback xmlns="">
-      <p:transition xmlns:p14="http://schemas.microsoft.com/office/powerpoint/2010/main" spd="med">
-        <p:fade/>
-      </p:transition>
-    </mc:Fallback>
-  </mc:AlternateContent>
+  <p:transition xmlns:p14="http://schemas.microsoft.com/office/powerpoint/2010/main" spd="slow">
+    <p:fade thruBlk="1"/>
+  </p:transition>
   <p:timing>
     <p:tnLst>
       <p:par>

--- a/spring12/slidesS12/trees-spanning.pptx
+++ b/spring12/slidesS12/trees-spanning.pptx
@@ -3979,13 +3979,6 @@
               </a:rPr>
               <a:t>Trees</a:t>
             </a:r>
-            <a:endParaRPr lang="en-US" sz="11500" b="1" dirty="0" smtClean="0">
-              <a:solidFill>
-                <a:schemeClr val="tx2"/>
-              </a:solidFill>
-              <a:latin typeface="Comic Sans MS"/>
-              <a:cs typeface="Comic Sans MS"/>
-            </a:endParaRPr>
           </a:p>
         </p:txBody>
       </p:sp>
@@ -10978,8 +10971,8 @@
         </p:nvSpPr>
         <p:spPr>
           <a:xfrm>
-            <a:off x="633413" y="872070"/>
-            <a:ext cx="8001000" cy="5029200"/>
+            <a:off x="225779" y="1100665"/>
+            <a:ext cx="8692443" cy="4628445"/>
           </a:xfrm>
         </p:spPr>
         <p:txBody>
@@ -10991,13 +10984,13 @@
               <a:buNone/>
             </a:pPr>
             <a:r>
-              <a:rPr lang="en-US" altLang="zh-CN" sz="4400" dirty="0" smtClean="0">
+              <a:rPr lang="en-US" altLang="zh-CN" sz="4800" dirty="0" smtClean="0">
                 <a:ea typeface="宋体" pitchFamily="2" charset="-122"/>
               </a:rPr>
               <a:t>A </a:t>
             </a:r>
             <a:r>
-              <a:rPr lang="en-US" altLang="zh-CN" sz="4400" dirty="0" smtClean="0">
+              <a:rPr lang="en-US" altLang="zh-CN" sz="4800" dirty="0" smtClean="0">
                 <a:solidFill>
                   <a:srgbClr val="930093"/>
                 </a:solidFill>
@@ -11006,7 +10999,7 @@
               <a:t>spanning </a:t>
             </a:r>
             <a:r>
-              <a:rPr lang="en-US" altLang="zh-CN" sz="4400" dirty="0" err="1" smtClean="0">
+              <a:rPr lang="en-US" altLang="zh-CN" sz="4800" dirty="0" err="1" smtClean="0">
                 <a:solidFill>
                   <a:srgbClr val="930093"/>
                 </a:solidFill>
@@ -11015,10 +11008,16 @@
               <a:t>subgraph</a:t>
             </a:r>
             <a:r>
-              <a:rPr lang="en-US" altLang="zh-CN" sz="4400" dirty="0" smtClean="0">
+              <a:rPr lang="en-US" altLang="zh-CN" sz="4800" dirty="0" smtClean="0">
                 <a:ea typeface="宋体" pitchFamily="2" charset="-122"/>
               </a:rPr>
-              <a:t> of a </a:t>
+              <a:t> </a:t>
+            </a:r>
+            <a:r>
+              <a:rPr lang="en-US" altLang="zh-CN" sz="4800" dirty="0" smtClean="0">
+                <a:ea typeface="宋体" pitchFamily="2" charset="-122"/>
+              </a:rPr>
+              <a:t>of graph </a:t>
             </a:r>
           </a:p>
           <a:p>
@@ -11027,13 +11026,7 @@
               <a:buNone/>
             </a:pPr>
             <a:r>
-              <a:rPr lang="en-US" altLang="zh-CN" sz="4400" dirty="0" smtClean="0">
-                <a:ea typeface="宋体" pitchFamily="2" charset="-122"/>
-              </a:rPr>
-              <a:t>graph </a:t>
-            </a:r>
-            <a:r>
-              <a:rPr lang="en-US" altLang="zh-CN" sz="4400" dirty="0" smtClean="0">
+              <a:rPr lang="en-US" altLang="zh-CN" sz="4800" dirty="0" smtClean="0">
                 <a:solidFill>
                   <a:srgbClr val="0000FF"/>
                 </a:solidFill>
@@ -11042,10 +11035,52 @@
               <a:t>G</a:t>
             </a:r>
             <a:r>
-              <a:rPr lang="en-US" altLang="zh-CN" sz="4400" dirty="0" smtClean="0">
+              <a:rPr lang="en-US" altLang="zh-CN" sz="4800" dirty="0" smtClean="0">
                 <a:ea typeface="宋体" pitchFamily="2" charset="-122"/>
               </a:rPr>
-              <a:t> is a connected </a:t>
+              <a:t> </a:t>
+            </a:r>
+            <a:r>
+              <a:rPr lang="en-US" altLang="zh-CN" sz="4800" dirty="0" smtClean="0">
+                <a:ea typeface="宋体" pitchFamily="2" charset="-122"/>
+              </a:rPr>
+              <a:t>is </a:t>
+            </a:r>
+            <a:r>
+              <a:rPr lang="en-US" altLang="zh-CN" sz="4800" dirty="0" smtClean="0">
+                <a:ea typeface="宋体" pitchFamily="2" charset="-122"/>
+              </a:rPr>
+              <a:t>a </a:t>
+            </a:r>
+            <a:r>
+              <a:rPr lang="en-US" altLang="zh-CN" sz="4800" dirty="0" err="1" smtClean="0">
+                <a:ea typeface="宋体" pitchFamily="2" charset="-122"/>
+              </a:rPr>
+              <a:t>subgraph</a:t>
+            </a:r>
+            <a:r>
+              <a:rPr lang="en-US" altLang="zh-CN" sz="4800" dirty="0" smtClean="0">
+                <a:ea typeface="宋体" pitchFamily="2" charset="-122"/>
+              </a:rPr>
+              <a:t> </a:t>
+            </a:r>
+            <a:r>
+              <a:rPr lang="en-US" altLang="zh-CN" sz="4800" dirty="0" smtClean="0">
+                <a:ea typeface="宋体" pitchFamily="2" charset="-122"/>
+              </a:rPr>
+              <a:t>that </a:t>
+            </a:r>
+            <a:r>
+              <a:rPr lang="en-US" altLang="zh-CN" sz="4800" dirty="0" smtClean="0">
+                <a:ea typeface="宋体" pitchFamily="2" charset="-122"/>
+              </a:rPr>
+              <a:t>has all</a:t>
+            </a:r>
+            <a:r>
+              <a:rPr lang="en-US" altLang="zh-CN" sz="4800" dirty="0" smtClean="0">
+                <a:ea typeface="宋体" pitchFamily="2" charset="-122"/>
+              </a:rPr>
+              <a:t> </a:t>
             </a:r>
           </a:p>
           <a:p>
@@ -11054,58 +11089,43 @@
               <a:buNone/>
             </a:pPr>
             <a:r>
-              <a:rPr lang="en-US" altLang="zh-CN" sz="4400" dirty="0" err="1" smtClean="0">
+              <a:rPr lang="en-US" altLang="zh-CN" sz="4800" dirty="0" smtClean="0">
                 <a:ea typeface="宋体" pitchFamily="2" charset="-122"/>
               </a:rPr>
-              <a:t>subgraph</a:t>
-            </a:r>
-            <a:r>
-              <a:rPr lang="en-US" altLang="zh-CN" sz="4400" dirty="0" smtClean="0">
+              <a:t>the </a:t>
+            </a:r>
+            <a:r>
+              <a:rPr lang="en-US" altLang="zh-CN" sz="4800" dirty="0" smtClean="0">
                 <a:ea typeface="宋体" pitchFamily="2" charset="-122"/>
               </a:rPr>
-              <a:t> that contains all</a:t>
-            </a:r>
-          </a:p>
-          <a:p>
-            <a:pPr eaLnBrk="1" hangingPunct="1">
-              <a:buFontTx/>
-              <a:buNone/>
-            </a:pPr>
-            <a:r>
-              <a:rPr lang="en-US" altLang="zh-CN" sz="4400" dirty="0" smtClean="0">
-                <a:ea typeface="宋体" pitchFamily="2" charset="-122"/>
-              </a:rPr>
-              <a:t>the vertices of</a:t>
-            </a:r>
-            <a:r>
-              <a:rPr lang="en-US" altLang="zh-CN" sz="4400" dirty="0" smtClean="0">
+              <a:t>vertices of</a:t>
+            </a:r>
+            <a:r>
+              <a:rPr lang="en-US" altLang="zh-CN" sz="4800" dirty="0" smtClean="0">
                 <a:solidFill>
                   <a:srgbClr val="0000FF"/>
                 </a:solidFill>
                 <a:ea typeface="宋体" pitchFamily="2" charset="-122"/>
               </a:rPr>
-              <a:t> G</a:t>
-            </a:r>
-            <a:r>
-              <a:rPr lang="en-US" altLang="zh-CN" sz="4400" dirty="0" smtClean="0">
+              <a:t> </a:t>
+            </a:r>
+            <a:r>
+              <a:rPr lang="en-US" altLang="zh-CN" sz="4800" dirty="0" smtClean="0">
+                <a:solidFill>
+                  <a:srgbClr val="0000FF"/>
+                </a:solidFill>
                 <a:ea typeface="宋体" pitchFamily="2" charset="-122"/>
               </a:rPr>
-              <a:t>.</a:t>
-            </a:r>
-          </a:p>
-          <a:p>
-            <a:pPr eaLnBrk="1" hangingPunct="1">
-              <a:buFontTx/>
-              <a:buNone/>
-            </a:pPr>
-            <a:r>
-              <a:rPr lang="en-US" altLang="zh-CN" sz="4400" dirty="0" smtClean="0">
+              <a:t>G</a:t>
+            </a:r>
+            <a:r>
+              <a:rPr lang="en-US" altLang="zh-CN" sz="4800" dirty="0" smtClean="0">
                 <a:ea typeface="宋体" pitchFamily="2" charset="-122"/>
               </a:rPr>
-              <a:t>A </a:t>
-            </a:r>
-            <a:r>
-              <a:rPr lang="en-US" altLang="zh-CN" sz="4400" dirty="0" smtClean="0">
+              <a:t>. A </a:t>
+            </a:r>
+            <a:r>
+              <a:rPr lang="en-US" altLang="zh-CN" sz="4800" dirty="0" smtClean="0">
                 <a:solidFill>
                   <a:srgbClr val="660066"/>
                 </a:solidFill>
@@ -11114,20 +11134,20 @@
               <a:t>s</a:t>
             </a:r>
             <a:r>
-              <a:rPr lang="en-US" altLang="zh-CN" sz="4400" dirty="0" smtClean="0">
+              <a:rPr lang="en-US" altLang="zh-CN" sz="4800" dirty="0" smtClean="0">
                 <a:solidFill>
                   <a:srgbClr val="930093"/>
                 </a:solidFill>
                 <a:ea typeface="宋体" pitchFamily="2" charset="-122"/>
               </a:rPr>
-              <a:t>panning tree</a:t>
-            </a:r>
-            <a:r>
-              <a:rPr lang="en-US" altLang="zh-CN" sz="4400" dirty="0" smtClean="0">
-                <a:ea typeface="宋体" pitchFamily="2" charset="-122"/>
-              </a:rPr>
-              <a:t> is a spanning </a:t>
-            </a:r>
+              <a:t>panning </a:t>
+            </a:r>
+            <a:endParaRPr lang="en-US" altLang="zh-CN" sz="4800" dirty="0" smtClean="0">
+              <a:solidFill>
+                <a:srgbClr val="930093"/>
+              </a:solidFill>
+              <a:ea typeface="宋体" pitchFamily="2" charset="-122"/>
+            </a:endParaRPr>
           </a:p>
           <a:p>
             <a:pPr eaLnBrk="1" hangingPunct="1">
@@ -11135,17 +11155,71 @@
               <a:buNone/>
             </a:pPr>
             <a:r>
-              <a:rPr lang="en-US" altLang="zh-CN" sz="4400" dirty="0" err="1" smtClean="0">
+              <a:rPr lang="en-US" altLang="zh-CN" sz="4800" dirty="0" smtClean="0">
+                <a:solidFill>
+                  <a:srgbClr val="930093"/>
+                </a:solidFill>
+                <a:ea typeface="宋体" pitchFamily="2" charset="-122"/>
+              </a:rPr>
+              <a:t>tree</a:t>
+            </a:r>
+            <a:r>
+              <a:rPr lang="en-US" altLang="zh-CN" sz="4800" dirty="0" smtClean="0">
+                <a:ea typeface="宋体" pitchFamily="2" charset="-122"/>
+              </a:rPr>
+              <a:t> </a:t>
+            </a:r>
+            <a:r>
+              <a:rPr lang="en-US" altLang="zh-CN" sz="4800" dirty="0" smtClean="0">
+                <a:ea typeface="宋体" pitchFamily="2" charset="-122"/>
+              </a:rPr>
+              <a:t>is a </a:t>
+            </a:r>
+            <a:r>
+              <a:rPr lang="en-US" altLang="zh-CN" sz="4800" dirty="0" smtClean="0">
+                <a:ea typeface="宋体" pitchFamily="2" charset="-122"/>
+              </a:rPr>
+              <a:t>spanning </a:t>
+            </a:r>
+            <a:r>
+              <a:rPr lang="en-US" altLang="zh-CN" sz="4800" dirty="0" err="1" smtClean="0">
                 <a:ea typeface="宋体" pitchFamily="2" charset="-122"/>
               </a:rPr>
               <a:t>subgraph</a:t>
             </a:r>
             <a:r>
-              <a:rPr lang="en-US" altLang="zh-CN" sz="4400" dirty="0" smtClean="0">
+              <a:rPr lang="en-US" altLang="zh-CN" sz="4800" dirty="0" smtClean="0">
                 <a:ea typeface="宋体" pitchFamily="2" charset="-122"/>
               </a:rPr>
-              <a:t> that is a tree</a:t>
-            </a:r>
+              <a:t> </a:t>
+            </a:r>
+          </a:p>
+          <a:p>
+            <a:pPr eaLnBrk="1" hangingPunct="1">
+              <a:buFontTx/>
+              <a:buNone/>
+            </a:pPr>
+            <a:r>
+              <a:rPr lang="en-US" altLang="zh-CN" sz="4800" dirty="0" smtClean="0">
+                <a:ea typeface="宋体" pitchFamily="2" charset="-122"/>
+              </a:rPr>
+              <a:t>that </a:t>
+            </a:r>
+            <a:r>
+              <a:rPr lang="en-US" altLang="zh-CN" sz="4800" dirty="0" smtClean="0">
+                <a:ea typeface="宋体" pitchFamily="2" charset="-122"/>
+              </a:rPr>
+              <a:t>is a </a:t>
+            </a:r>
+            <a:r>
+              <a:rPr lang="en-US" altLang="zh-CN" sz="4800" dirty="0" smtClean="0">
+                <a:ea typeface="宋体" pitchFamily="2" charset="-122"/>
+              </a:rPr>
+              <a:t>tree.</a:t>
+            </a:r>
+            <a:endParaRPr lang="en-US" altLang="zh-CN" sz="4800" dirty="0" smtClean="0">
+              <a:ea typeface="宋体" pitchFamily="2" charset="-122"/>
+            </a:endParaRPr>
           </a:p>
         </p:txBody>
       </p:sp>
@@ -11194,134 +11268,7 @@
   <p:timing>
     <p:tnLst>
       <p:par>
-        <p:cTn xmlns:p14="http://schemas.microsoft.com/office/powerpoint/2010/main" id="1" dur="indefinite" restart="never" nodeType="tmRoot">
-          <p:childTnLst>
-            <p:seq concurrent="1" nextAc="seek">
-              <p:cTn id="2" dur="indefinite" nodeType="mainSeq">
-                <p:childTnLst>
-                  <p:par>
-                    <p:cTn id="3" fill="hold">
-                      <p:stCondLst>
-                        <p:cond delay="indefinite"/>
-                      </p:stCondLst>
-                      <p:childTnLst>
-                        <p:par>
-                          <p:cTn id="4" fill="hold">
-                            <p:stCondLst>
-                              <p:cond delay="0"/>
-                            </p:stCondLst>
-                            <p:childTnLst>
-                              <p:par>
-                                <p:cTn id="5" presetID="9" presetClass="entr" presetSubtype="0" fill="hold" nodeType="clickEffect">
-                                  <p:stCondLst>
-                                    <p:cond delay="0"/>
-                                  </p:stCondLst>
-                                  <p:childTnLst>
-                                    <p:set>
-                                      <p:cBhvr>
-                                        <p:cTn id="6" dur="1" fill="hold">
-                                          <p:stCondLst>
-                                            <p:cond delay="0"/>
-                                          </p:stCondLst>
-                                        </p:cTn>
-                                        <p:tgtEl>
-                                          <p:spTgt spid="62467">
-                                            <p:txEl>
-                                              <p:pRg st="4" end="4"/>
-                                            </p:txEl>
-                                          </p:spTgt>
-                                        </p:tgtEl>
-                                        <p:attrNameLst>
-                                          <p:attrName>style.visibility</p:attrName>
-                                        </p:attrNameLst>
-                                      </p:cBhvr>
-                                      <p:to>
-                                        <p:strVal val="visible"/>
-                                      </p:to>
-                                    </p:set>
-                                    <p:animEffect transition="in" filter="dissolve">
-                                      <p:cBhvr>
-                                        <p:cTn id="7" dur="500"/>
-                                        <p:tgtEl>
-                                          <p:spTgt spid="62467">
-                                            <p:txEl>
-                                              <p:pRg st="4" end="4"/>
-                                            </p:txEl>
-                                          </p:spTgt>
-                                        </p:tgtEl>
-                                      </p:cBhvr>
-                                    </p:animEffect>
-                                  </p:childTnLst>
-                                </p:cTn>
-                              </p:par>
-                              <p:par>
-                                <p:cTn id="8" presetID="9" presetClass="entr" presetSubtype="0" fill="hold" nodeType="withEffect">
-                                  <p:stCondLst>
-                                    <p:cond delay="0"/>
-                                  </p:stCondLst>
-                                  <p:childTnLst>
-                                    <p:set>
-                                      <p:cBhvr>
-                                        <p:cTn id="9" dur="1" fill="hold">
-                                          <p:stCondLst>
-                                            <p:cond delay="0"/>
-                                          </p:stCondLst>
-                                        </p:cTn>
-                                        <p:tgtEl>
-                                          <p:spTgt spid="62467">
-                                            <p:txEl>
-                                              <p:pRg st="5" end="5"/>
-                                            </p:txEl>
-                                          </p:spTgt>
-                                        </p:tgtEl>
-                                        <p:attrNameLst>
-                                          <p:attrName>style.visibility</p:attrName>
-                                        </p:attrNameLst>
-                                      </p:cBhvr>
-                                      <p:to>
-                                        <p:strVal val="visible"/>
-                                      </p:to>
-                                    </p:set>
-                                    <p:animEffect transition="in" filter="dissolve">
-                                      <p:cBhvr>
-                                        <p:cTn id="10" dur="500"/>
-                                        <p:tgtEl>
-                                          <p:spTgt spid="62467">
-                                            <p:txEl>
-                                              <p:pRg st="5" end="5"/>
-                                            </p:txEl>
-                                          </p:spTgt>
-                                        </p:tgtEl>
-                                      </p:cBhvr>
-                                    </p:animEffect>
-                                  </p:childTnLst>
-                                </p:cTn>
-                              </p:par>
-                            </p:childTnLst>
-                          </p:cTn>
-                        </p:par>
-                      </p:childTnLst>
-                    </p:cTn>
-                  </p:par>
-                </p:childTnLst>
-              </p:cTn>
-              <p:prevCondLst>
-                <p:cond evt="onPrev" delay="0">
-                  <p:tgtEl>
-                    <p:sldTgt/>
-                  </p:tgtEl>
-                </p:cond>
-              </p:prevCondLst>
-              <p:nextCondLst>
-                <p:cond evt="onNext" delay="0">
-                  <p:tgtEl>
-                    <p:sldTgt/>
-                  </p:tgtEl>
-                </p:cond>
-              </p:nextCondLst>
-            </p:seq>
-          </p:childTnLst>
-        </p:cTn>
+        <p:cTn xmlns:p14="http://schemas.microsoft.com/office/powerpoint/2010/main" id="1" dur="indefinite" restart="never" nodeType="tmRoot"/>
       </p:par>
     </p:tnLst>
   </p:timing>
@@ -15415,15 +15362,7 @@
             </a:pPr>
             <a:r>
               <a:rPr lang="en-US" sz="4400" dirty="0" smtClean="0"/>
-              <a:t>gray </a:t>
-            </a:r>
-            <a:r>
-              <a:rPr lang="en-US" sz="4400" dirty="0" smtClean="0"/>
-              <a:t>edge :</a:t>
-            </a:r>
-            <a:r>
-              <a:rPr lang="en-US" sz="4400" dirty="0" smtClean="0"/>
-              <a:t>:= </a:t>
+              <a:t>gray edge ::= </a:t>
             </a:r>
           </a:p>
           <a:p>
@@ -15614,13 +15553,13 @@
   <p:clrMapOvr>
     <a:masterClrMapping/>
   </p:clrMapOvr>
-  <mc:AlternateContent xmlns:mc="http://schemas.openxmlformats.org/markup-compatibility/2006">
-    <mc:Choice xmlns:p14="http://schemas.microsoft.com/office/powerpoint/2010/main" Requires="p14">
+  <mc:AlternateContent xmlns:mc="http://schemas.openxmlformats.org/markup-compatibility/2006" xmlns:p14="http://schemas.microsoft.com/office/powerpoint/2010/main">
+    <mc:Choice Requires="p14">
       <p:transition spd="slow" p14:dur="1200">
         <p:fade/>
       </p:transition>
     </mc:Choice>
-    <mc:Fallback>
+    <mc:Fallback xmlns="">
       <p:transition xmlns:p14="http://schemas.microsoft.com/office/powerpoint/2010/main" spd="slow">
         <p:fade/>
       </p:transition>
